--- a/ppt 16-9/0107.主啊！我赞美.pptx
+++ b/ppt 16-9/0107.主啊！我赞美.pptx
@@ -5,7 +5,7 @@
     <p:sldMasterId id="2147483648" r:id="rId1"/>
   </p:sldMasterIdLst>
   <p:sldIdLst>
-    <p:sldId id="2678" r:id="rId2"/>
+    <p:sldId id="2679" r:id="rId2"/>
   </p:sldIdLst>
   <p:sldSz cx="12192000" cy="6858000"/>
   <p:notesSz cx="6858000" cy="9144000"/>
@@ -104,6 +104,11 @@
       </a:defRPr>
     </a:lvl9pPr>
   </p:defaultTextStyle>
+  <p:extLst>
+    <p:ext uri="{EFAFB233-063F-42B5-8137-9DF3F51BA10A}">
+      <p15:sldGuideLst xmlns:p15="http://schemas.microsoft.com/office/powerpoint/2012/main"/>
+    </p:ext>
+  </p:extLst>
 </p:presentation>
 </file>
 
@@ -3323,7 +3328,7 @@
       </p:grpSpPr>
       <p:pic>
         <p:nvPicPr>
-          <p:cNvPr id="109570" name="Picture 2" descr="106"/>
+          <p:cNvPr id="110594" name="Picture 2" descr="107"/>
           <p:cNvPicPr>
             <a:picLocks noChangeAspect="1" noChangeArrowheads="1"/>
           </p:cNvPicPr>
@@ -3375,11 +3380,158 @@
           </a:extLst>
         </p:spPr>
       </p:pic>
+      <p:pic>
+        <p:nvPicPr>
+          <p:cNvPr id="111619" name="Picture 3" descr="107-2"/>
+          <p:cNvPicPr>
+            <a:picLocks noChangeAspect="1" noChangeArrowheads="1"/>
+          </p:cNvPicPr>
+          <p:nvPr/>
+        </p:nvPicPr>
+        <p:blipFill>
+          <a:blip r:embed="rId3">
+            <a:extLst>
+              <a:ext uri="{28A0092B-C50C-407E-A947-70E740481C1C}">
+                <a14:useLocalDpi xmlns:a14="http://schemas.microsoft.com/office/drawing/2010/main" val="0"/>
+              </a:ext>
+            </a:extLst>
+          </a:blip>
+          <a:srcRect/>
+          <a:stretch>
+            <a:fillRect/>
+          </a:stretch>
+        </p:blipFill>
+        <p:spPr bwMode="auto">
+          <a:xfrm>
+            <a:off x="1524000" y="0"/>
+            <a:ext cx="9144000" cy="6858000"/>
+          </a:xfrm>
+          <a:prstGeom prst="rect">
+            <a:avLst/>
+          </a:prstGeom>
+          <a:noFill/>
+          <a:ln>
+            <a:noFill/>
+          </a:ln>
+          <a:effectLst/>
+          <a:extLst>
+            <a:ext uri="{909E8E84-426E-40DD-AFC4-6F175D3DCCD1}">
+              <a14:hiddenFill xmlns:a14="http://schemas.microsoft.com/office/drawing/2010/main">
+                <a:solidFill>
+                  <a:srgbClr val="FFFFFF"/>
+                </a:solidFill>
+              </a14:hiddenFill>
+            </a:ext>
+            <a:ext uri="{91240B29-F687-4F45-9708-019B960494DF}">
+              <a14:hiddenLine xmlns:a14="http://schemas.microsoft.com/office/drawing/2010/main" w="9525">
+                <a:solidFill>
+                  <a:srgbClr val="000000"/>
+                </a:solidFill>
+                <a:miter lim="800000"/>
+                <a:headEnd/>
+                <a:tailEnd/>
+              </a14:hiddenLine>
+            </a:ext>
+            <a:ext uri="{AF507438-7753-43E0-B8FC-AC1667EBCBE1}">
+              <a14:hiddenEffects xmlns:a14="http://schemas.microsoft.com/office/drawing/2010/main">
+                <a:effectLst>
+                  <a:outerShdw dist="35921" dir="2700000" algn="ctr" rotWithShape="0">
+                    <a:srgbClr val="808080"/>
+                  </a:outerShdw>
+                </a:effectLst>
+              </a14:hiddenEffects>
+            </a:ext>
+          </a:extLst>
+        </p:spPr>
+      </p:pic>
     </p:spTree>
   </p:cSld>
   <p:clrMapOvr>
     <a:masterClrMapping/>
   </p:clrMapOvr>
+  <p:timing>
+    <p:tnLst>
+      <p:par>
+        <p:cTn id="1" dur="indefinite" restart="never" nodeType="tmRoot">
+          <p:childTnLst>
+            <p:seq concurrent="1" nextAc="seek">
+              <p:cTn id="2" dur="indefinite" nodeType="mainSeq">
+                <p:childTnLst>
+                  <p:par>
+                    <p:cTn id="3" fill="hold" nodeType="clickPar">
+                      <p:stCondLst>
+                        <p:cond delay="indefinite"/>
+                      </p:stCondLst>
+                      <p:childTnLst>
+                        <p:par>
+                          <p:cTn id="4" fill="hold" nodeType="withGroup">
+                            <p:stCondLst>
+                              <p:cond delay="0"/>
+                            </p:stCondLst>
+                            <p:childTnLst>
+                              <p:par>
+                                <p:cTn id="5" presetID="10" presetClass="entr" presetSubtype="0" fill="hold" nodeType="clickEffect">
+                                  <p:stCondLst>
+                                    <p:cond delay="0"/>
+                                  </p:stCondLst>
+                                  <p:childTnLst>
+                                    <p:set>
+                                      <p:cBhvr>
+                                        <p:cTn id="6" dur="1" fill="hold">
+                                          <p:stCondLst>
+                                            <p:cond delay="0"/>
+                                          </p:stCondLst>
+                                        </p:cTn>
+                                        <p:tgtEl>
+                                          <p:spTgt spid="111619"/>
+                                        </p:tgtEl>
+                                        <p:attrNameLst>
+                                          <p:attrName>style.visibility</p:attrName>
+                                        </p:attrNameLst>
+                                      </p:cBhvr>
+                                      <p:to>
+                                        <p:strVal val="visible"/>
+                                      </p:to>
+                                    </p:set>
+                                    <p:animEffect transition="in" filter="fade">
+                                      <p:cBhvr>
+                                        <p:cTn id="7" dur="500"/>
+                                        <p:tgtEl>
+                                          <p:spTgt spid="111619"/>
+                                        </p:tgtEl>
+                                      </p:cBhvr>
+                                    </p:animEffect>
+                                  </p:childTnLst>
+                                </p:cTn>
+                              </p:par>
+                            </p:childTnLst>
+                          </p:cTn>
+                        </p:par>
+                      </p:childTnLst>
+                    </p:cTn>
+                  </p:par>
+                </p:childTnLst>
+              </p:cTn>
+              <p:prevCondLst>
+                <p:cond evt="onPrev" delay="0">
+                  <p:tgtEl>
+                    <p:sldTgt/>
+                  </p:tgtEl>
+                </p:cond>
+              </p:prevCondLst>
+              <p:nextCondLst>
+                <p:cond evt="onNext" delay="0">
+                  <p:tgtEl>
+                    <p:sldTgt/>
+                  </p:tgtEl>
+                </p:cond>
+              </p:nextCondLst>
+            </p:seq>
+          </p:childTnLst>
+        </p:cTn>
+      </p:par>
+    </p:tnLst>
+  </p:timing>
 </p:sld>
 </file>
 
